--- a/aspnetcore/slides/04_services.pptx
+++ b/aspnetcore/slides/04_services.pptx
@@ -5,23 +5,22 @@
     <p:sldMasterId id="2147483772" r:id="rId1"/>
   </p:sldMasterIdLst>
   <p:notesMasterIdLst>
-    <p:notesMasterId r:id="rId13"/>
+    <p:notesMasterId r:id="rId12"/>
   </p:notesMasterIdLst>
   <p:handoutMasterIdLst>
-    <p:handoutMasterId r:id="rId14"/>
+    <p:handoutMasterId r:id="rId13"/>
   </p:handoutMasterIdLst>
   <p:sldIdLst>
     <p:sldId id="327" r:id="rId2"/>
     <p:sldId id="330" r:id="rId3"/>
-    <p:sldId id="342" r:id="rId4"/>
-    <p:sldId id="343" r:id="rId5"/>
-    <p:sldId id="338" r:id="rId6"/>
-    <p:sldId id="339" r:id="rId7"/>
-    <p:sldId id="344" r:id="rId8"/>
-    <p:sldId id="345" r:id="rId9"/>
-    <p:sldId id="346" r:id="rId10"/>
-    <p:sldId id="347" r:id="rId11"/>
-    <p:sldId id="341" r:id="rId12"/>
+    <p:sldId id="343" r:id="rId4"/>
+    <p:sldId id="338" r:id="rId5"/>
+    <p:sldId id="339" r:id="rId6"/>
+    <p:sldId id="344" r:id="rId7"/>
+    <p:sldId id="345" r:id="rId8"/>
+    <p:sldId id="346" r:id="rId9"/>
+    <p:sldId id="347" r:id="rId10"/>
+    <p:sldId id="341" r:id="rId11"/>
   </p:sldIdLst>
   <p:sldSz cx="9144000" cy="6858000" type="screen4x3"/>
   <p:notesSz cx="7302500" cy="9588500"/>
@@ -157,7 +156,6 @@
           <p14:sldIdLst>
             <p14:sldId id="327"/>
             <p14:sldId id="330"/>
-            <p14:sldId id="342"/>
             <p14:sldId id="343"/>
             <p14:sldId id="338"/>
             <p14:sldId id="339"/>
@@ -293,7 +291,7 @@
               <a:pPr>
                 <a:defRPr/>
               </a:pPr>
-              <a:t>10/21/2018</a:t>
+              <a:t>8/31/2019</a:t>
             </a:fld>
             <a:endParaRPr lang="en-US"/>
           </a:p>
@@ -1005,7 +1003,7 @@
               <a:pPr>
                 <a:defRPr/>
               </a:pPr>
-              <a:t>8</a:t>
+              <a:t>7</a:t>
             </a:fld>
             <a:endParaRPr lang="en-US"/>
           </a:p>
@@ -2867,122 +2865,6 @@
       </p:grpSpPr>
       <p:sp>
         <p:nvSpPr>
-          <p:cNvPr id="2" name="Title 1">
-            <a:extLst>
-              <a:ext uri="{FF2B5EF4-FFF2-40B4-BE49-F238E27FC236}">
-                <a16:creationId xmlns:a16="http://schemas.microsoft.com/office/drawing/2014/main" id="{765E778A-ED78-489D-93D5-5CE37D56D8E4}"/>
-              </a:ext>
-            </a:extLst>
-          </p:cNvPr>
-          <p:cNvSpPr>
-            <a:spLocks noGrp="1"/>
-          </p:cNvSpPr>
-          <p:nvPr>
-            <p:ph type="title"/>
-          </p:nvPr>
-        </p:nvSpPr>
-        <p:spPr/>
-        <p:txBody>
-          <a:bodyPr/>
-          <a:lstStyle/>
-          <a:p>
-            <a:r>
-              <a:rPr lang="en-US" dirty="0"/>
-              <a:t>Filter Logs</a:t>
-            </a:r>
-          </a:p>
-        </p:txBody>
-      </p:sp>
-      <p:sp>
-        <p:nvSpPr>
-          <p:cNvPr id="3" name="Text Placeholder 2">
-            <a:extLst>
-              <a:ext uri="{FF2B5EF4-FFF2-40B4-BE49-F238E27FC236}">
-                <a16:creationId xmlns:a16="http://schemas.microsoft.com/office/drawing/2014/main" id="{C38C5BAD-F9F9-4B12-9D91-D453920F04AA}"/>
-              </a:ext>
-            </a:extLst>
-          </p:cNvPr>
-          <p:cNvSpPr>
-            <a:spLocks noGrp="1"/>
-          </p:cNvSpPr>
-          <p:nvPr>
-            <p:ph type="body" idx="1"/>
-          </p:nvPr>
-        </p:nvSpPr>
-        <p:spPr/>
-        <p:txBody>
-          <a:bodyPr/>
-          <a:lstStyle/>
-          <a:p>
-            <a:endParaRPr lang="en-US"/>
-          </a:p>
-        </p:txBody>
-      </p:sp>
-      <p:pic>
-        <p:nvPicPr>
-          <p:cNvPr id="4" name="Picture 3">
-            <a:extLst>
-              <a:ext uri="{FF2B5EF4-FFF2-40B4-BE49-F238E27FC236}">
-                <a16:creationId xmlns:a16="http://schemas.microsoft.com/office/drawing/2014/main" id="{F79F4C60-FF6D-4852-831F-35AF48A1178A}"/>
-              </a:ext>
-            </a:extLst>
-          </p:cNvPr>
-          <p:cNvPicPr>
-            <a:picLocks noChangeAspect="1"/>
-          </p:cNvPicPr>
-          <p:nvPr/>
-        </p:nvPicPr>
-        <p:blipFill>
-          <a:blip r:embed="rId2"/>
-          <a:stretch>
-            <a:fillRect/>
-          </a:stretch>
-        </p:blipFill>
-        <p:spPr>
-          <a:xfrm>
-            <a:off x="1143000" y="1295400"/>
-            <a:ext cx="6934200" cy="4952304"/>
-          </a:xfrm>
-          <a:prstGeom prst="rect">
-            <a:avLst/>
-          </a:prstGeom>
-        </p:spPr>
-      </p:pic>
-    </p:spTree>
-    <p:extLst>
-      <p:ext uri="{BB962C8B-B14F-4D97-AF65-F5344CB8AC3E}">
-        <p14:creationId xmlns:p14="http://schemas.microsoft.com/office/powerpoint/2010/main" val="3401659558"/>
-      </p:ext>
-    </p:extLst>
-  </p:cSld>
-  <p:clrMapOvr>
-    <a:masterClrMapping/>
-  </p:clrMapOvr>
-  <p:transition>
-    <p:fade/>
-  </p:transition>
-</p:sld>
-</file>
-
-<file path=ppt/slides/slide11.xml><?xml version="1.0" encoding="utf-8"?>
-<p:sld xmlns:a="http://schemas.openxmlformats.org/drawingml/2006/main" xmlns:r="http://schemas.openxmlformats.org/officeDocument/2006/relationships" xmlns:p="http://schemas.openxmlformats.org/presentationml/2006/main">
-  <p:cSld>
-    <p:spTree>
-      <p:nvGrpSpPr>
-        <p:cNvPr id="1" name=""/>
-        <p:cNvGrpSpPr/>
-        <p:nvPr/>
-      </p:nvGrpSpPr>
-      <p:grpSpPr>
-        <a:xfrm>
-          <a:off x="0" y="0"/>
-          <a:ext cx="0" cy="0"/>
-          <a:chOff x="0" y="0"/>
-          <a:chExt cx="0" cy="0"/>
-        </a:xfrm>
-      </p:grpSpPr>
-      <p:sp>
-        <p:nvSpPr>
           <p:cNvPr id="2" name="Title 1"/>
           <p:cNvSpPr>
             <a:spLocks noGrp="1"/>
@@ -3223,142 +3105,6 @@
           <p:cNvPr id="2" name="Title 1">
             <a:extLst>
               <a:ext uri="{FF2B5EF4-FFF2-40B4-BE49-F238E27FC236}">
-                <a16:creationId xmlns:a16="http://schemas.microsoft.com/office/drawing/2014/main" id="{85495473-DE11-4ACA-A099-B6332D727B90}"/>
-              </a:ext>
-            </a:extLst>
-          </p:cNvPr>
-          <p:cNvSpPr>
-            <a:spLocks noGrp="1"/>
-          </p:cNvSpPr>
-          <p:nvPr>
-            <p:ph type="title"/>
-          </p:nvPr>
-        </p:nvSpPr>
-        <p:spPr/>
-        <p:txBody>
-          <a:bodyPr/>
-          <a:lstStyle/>
-          <a:p>
-            <a:r>
-              <a:rPr lang="en-US" dirty="0"/>
-              <a:t>Meta Packages</a:t>
-            </a:r>
-          </a:p>
-        </p:txBody>
-      </p:sp>
-      <p:sp>
-        <p:nvSpPr>
-          <p:cNvPr id="3" name="Text Placeholder 2">
-            <a:extLst>
-              <a:ext uri="{FF2B5EF4-FFF2-40B4-BE49-F238E27FC236}">
-                <a16:creationId xmlns:a16="http://schemas.microsoft.com/office/drawing/2014/main" id="{3808583C-D608-4A46-9A0B-6A4306ADB0BC}"/>
-              </a:ext>
-            </a:extLst>
-          </p:cNvPr>
-          <p:cNvSpPr>
-            <a:spLocks noGrp="1"/>
-          </p:cNvSpPr>
-          <p:nvPr>
-            <p:ph type="body" idx="1"/>
-          </p:nvPr>
-        </p:nvSpPr>
-        <p:spPr/>
-        <p:txBody>
-          <a:bodyPr/>
-          <a:lstStyle/>
-          <a:p>
-            <a:r>
-              <a:rPr lang="en-US" dirty="0" err="1"/>
-              <a:t>Microsoft.AspNetCore.App</a:t>
-            </a:r>
-            <a:r>
-              <a:rPr lang="en-US" dirty="0"/>
-              <a:t> is a meta packages</a:t>
-            </a:r>
-          </a:p>
-          <a:p>
-            <a:pPr lvl="1"/>
-            <a:r>
-              <a:rPr lang="en-US" dirty="0"/>
-              <a:t>Brings in all features of ASP.NET and EF</a:t>
-            </a:r>
-          </a:p>
-          <a:p>
-            <a:r>
-              <a:rPr lang="en-US" dirty="0"/>
-              <a:t>Version is implicit for this meta package</a:t>
-            </a:r>
-          </a:p>
-        </p:txBody>
-      </p:sp>
-      <p:pic>
-        <p:nvPicPr>
-          <p:cNvPr id="4" name="Picture 3">
-            <a:extLst>
-              <a:ext uri="{FF2B5EF4-FFF2-40B4-BE49-F238E27FC236}">
-                <a16:creationId xmlns:a16="http://schemas.microsoft.com/office/drawing/2014/main" id="{4AC005B0-D12B-40F3-B23A-6D7BFCBE61C4}"/>
-              </a:ext>
-            </a:extLst>
-          </p:cNvPr>
-          <p:cNvPicPr>
-            <a:picLocks noChangeAspect="1"/>
-          </p:cNvPicPr>
-          <p:nvPr/>
-        </p:nvPicPr>
-        <p:blipFill>
-          <a:blip r:embed="rId2"/>
-          <a:stretch>
-            <a:fillRect/>
-          </a:stretch>
-        </p:blipFill>
-        <p:spPr>
-          <a:xfrm>
-            <a:off x="1066800" y="3581400"/>
-            <a:ext cx="7543800" cy="1117398"/>
-          </a:xfrm>
-          <a:prstGeom prst="rect">
-            <a:avLst/>
-          </a:prstGeom>
-        </p:spPr>
-      </p:pic>
-    </p:spTree>
-    <p:extLst>
-      <p:ext uri="{BB962C8B-B14F-4D97-AF65-F5344CB8AC3E}">
-        <p14:creationId xmlns:p14="http://schemas.microsoft.com/office/powerpoint/2010/main" val="1296039226"/>
-      </p:ext>
-    </p:extLst>
-  </p:cSld>
-  <p:clrMapOvr>
-    <a:masterClrMapping/>
-  </p:clrMapOvr>
-  <p:transition>
-    <p:fade/>
-  </p:transition>
-</p:sld>
-</file>
-
-<file path=ppt/slides/slide4.xml><?xml version="1.0" encoding="utf-8"?>
-<p:sld xmlns:a="http://schemas.openxmlformats.org/drawingml/2006/main" xmlns:r="http://schemas.openxmlformats.org/officeDocument/2006/relationships" xmlns:p="http://schemas.openxmlformats.org/presentationml/2006/main">
-  <p:cSld>
-    <p:spTree>
-      <p:nvGrpSpPr>
-        <p:cNvPr id="1" name=""/>
-        <p:cNvGrpSpPr/>
-        <p:nvPr/>
-      </p:nvGrpSpPr>
-      <p:grpSpPr>
-        <a:xfrm>
-          <a:off x="0" y="0"/>
-          <a:ext cx="0" cy="0"/>
-          <a:chOff x="0" y="0"/>
-          <a:chExt cx="0" cy="0"/>
-        </a:xfrm>
-      </p:grpSpPr>
-      <p:sp>
-        <p:nvSpPr>
-          <p:cNvPr id="2" name="Title 1">
-            <a:extLst>
-              <a:ext uri="{FF2B5EF4-FFF2-40B4-BE49-F238E27FC236}">
                 <a16:creationId xmlns:a16="http://schemas.microsoft.com/office/drawing/2014/main" id="{7AE1897E-56B1-40E7-BE2D-F3A05420A503}"/>
               </a:ext>
             </a:extLst>
@@ -3466,7 +3212,7 @@
 </p:sld>
 </file>
 
-<file path=ppt/slides/slide5.xml><?xml version="1.0" encoding="utf-8"?>
+<file path=ppt/slides/slide4.xml><?xml version="1.0" encoding="utf-8"?>
 <p:sld xmlns:a="http://schemas.openxmlformats.org/drawingml/2006/main" xmlns:r="http://schemas.openxmlformats.org/officeDocument/2006/relationships" xmlns:p="http://schemas.openxmlformats.org/presentationml/2006/main">
   <p:cSld>
     <p:spTree>
@@ -3578,7 +3324,7 @@
 </p:sld>
 </file>
 
-<file path=ppt/slides/slide6.xml><?xml version="1.0" encoding="utf-8"?>
+<file path=ppt/slides/slide5.xml><?xml version="1.0" encoding="utf-8"?>
 <p:sld xmlns:a="http://schemas.openxmlformats.org/drawingml/2006/main" xmlns:r="http://schemas.openxmlformats.org/officeDocument/2006/relationships" xmlns:p="http://schemas.openxmlformats.org/presentationml/2006/main">
   <p:cSld>
     <p:spTree>
@@ -3714,7 +3460,7 @@
 </p:sld>
 </file>
 
-<file path=ppt/slides/slide7.xml><?xml version="1.0" encoding="utf-8"?>
+<file path=ppt/slides/slide6.xml><?xml version="1.0" encoding="utf-8"?>
 <p:sld xmlns:a="http://schemas.openxmlformats.org/drawingml/2006/main" xmlns:r="http://schemas.openxmlformats.org/officeDocument/2006/relationships" xmlns:p="http://schemas.openxmlformats.org/presentationml/2006/main">
   <p:cSld>
     <p:spTree>
@@ -3885,7 +3631,7 @@
 </p:sld>
 </file>
 
-<file path=ppt/slides/slide8.xml><?xml version="1.0" encoding="utf-8"?>
+<file path=ppt/slides/slide7.xml><?xml version="1.0" encoding="utf-8"?>
 <p:sld xmlns:a="http://schemas.openxmlformats.org/drawingml/2006/main" xmlns:r="http://schemas.openxmlformats.org/officeDocument/2006/relationships" xmlns:p="http://schemas.openxmlformats.org/presentationml/2006/main">
   <p:cSld>
     <p:spTree>
@@ -4015,7 +3761,7 @@
 </p:sld>
 </file>
 
-<file path=ppt/slides/slide9.xml><?xml version="1.0" encoding="utf-8"?>
+<file path=ppt/slides/slide8.xml><?xml version="1.0" encoding="utf-8"?>
 <p:sld xmlns:a="http://schemas.openxmlformats.org/drawingml/2006/main" xmlns:r="http://schemas.openxmlformats.org/officeDocument/2006/relationships" xmlns:p="http://schemas.openxmlformats.org/presentationml/2006/main">
   <p:cSld>
     <p:spTree>
@@ -4172,6 +3918,122 @@
     <p:extLst>
       <p:ext uri="{BB962C8B-B14F-4D97-AF65-F5344CB8AC3E}">
         <p14:creationId xmlns:p14="http://schemas.microsoft.com/office/powerpoint/2010/main" val="649224404"/>
+      </p:ext>
+    </p:extLst>
+  </p:cSld>
+  <p:clrMapOvr>
+    <a:masterClrMapping/>
+  </p:clrMapOvr>
+  <p:transition>
+    <p:fade/>
+  </p:transition>
+</p:sld>
+</file>
+
+<file path=ppt/slides/slide9.xml><?xml version="1.0" encoding="utf-8"?>
+<p:sld xmlns:a="http://schemas.openxmlformats.org/drawingml/2006/main" xmlns:r="http://schemas.openxmlformats.org/officeDocument/2006/relationships" xmlns:p="http://schemas.openxmlformats.org/presentationml/2006/main">
+  <p:cSld>
+    <p:spTree>
+      <p:nvGrpSpPr>
+        <p:cNvPr id="1" name=""/>
+        <p:cNvGrpSpPr/>
+        <p:nvPr/>
+      </p:nvGrpSpPr>
+      <p:grpSpPr>
+        <a:xfrm>
+          <a:off x="0" y="0"/>
+          <a:ext cx="0" cy="0"/>
+          <a:chOff x="0" y="0"/>
+          <a:chExt cx="0" cy="0"/>
+        </a:xfrm>
+      </p:grpSpPr>
+      <p:sp>
+        <p:nvSpPr>
+          <p:cNvPr id="2" name="Title 1">
+            <a:extLst>
+              <a:ext uri="{FF2B5EF4-FFF2-40B4-BE49-F238E27FC236}">
+                <a16:creationId xmlns:a16="http://schemas.microsoft.com/office/drawing/2014/main" id="{765E778A-ED78-489D-93D5-5CE37D56D8E4}"/>
+              </a:ext>
+            </a:extLst>
+          </p:cNvPr>
+          <p:cNvSpPr>
+            <a:spLocks noGrp="1"/>
+          </p:cNvSpPr>
+          <p:nvPr>
+            <p:ph type="title"/>
+          </p:nvPr>
+        </p:nvSpPr>
+        <p:spPr/>
+        <p:txBody>
+          <a:bodyPr/>
+          <a:lstStyle/>
+          <a:p>
+            <a:r>
+              <a:rPr lang="en-US" dirty="0"/>
+              <a:t>Filter Logs</a:t>
+            </a:r>
+          </a:p>
+        </p:txBody>
+      </p:sp>
+      <p:sp>
+        <p:nvSpPr>
+          <p:cNvPr id="3" name="Text Placeholder 2">
+            <a:extLst>
+              <a:ext uri="{FF2B5EF4-FFF2-40B4-BE49-F238E27FC236}">
+                <a16:creationId xmlns:a16="http://schemas.microsoft.com/office/drawing/2014/main" id="{C38C5BAD-F9F9-4B12-9D91-D453920F04AA}"/>
+              </a:ext>
+            </a:extLst>
+          </p:cNvPr>
+          <p:cNvSpPr>
+            <a:spLocks noGrp="1"/>
+          </p:cNvSpPr>
+          <p:nvPr>
+            <p:ph type="body" idx="1"/>
+          </p:nvPr>
+        </p:nvSpPr>
+        <p:spPr/>
+        <p:txBody>
+          <a:bodyPr/>
+          <a:lstStyle/>
+          <a:p>
+            <a:endParaRPr lang="en-US"/>
+          </a:p>
+        </p:txBody>
+      </p:sp>
+      <p:pic>
+        <p:nvPicPr>
+          <p:cNvPr id="4" name="Picture 3">
+            <a:extLst>
+              <a:ext uri="{FF2B5EF4-FFF2-40B4-BE49-F238E27FC236}">
+                <a16:creationId xmlns:a16="http://schemas.microsoft.com/office/drawing/2014/main" id="{F79F4C60-FF6D-4852-831F-35AF48A1178A}"/>
+              </a:ext>
+            </a:extLst>
+          </p:cNvPr>
+          <p:cNvPicPr>
+            <a:picLocks noChangeAspect="1"/>
+          </p:cNvPicPr>
+          <p:nvPr/>
+        </p:nvPicPr>
+        <p:blipFill>
+          <a:blip r:embed="rId2"/>
+          <a:stretch>
+            <a:fillRect/>
+          </a:stretch>
+        </p:blipFill>
+        <p:spPr>
+          <a:xfrm>
+            <a:off x="1143000" y="1295400"/>
+            <a:ext cx="6934200" cy="4952304"/>
+          </a:xfrm>
+          <a:prstGeom prst="rect">
+            <a:avLst/>
+          </a:prstGeom>
+        </p:spPr>
+      </p:pic>
+    </p:spTree>
+    <p:extLst>
+      <p:ext uri="{BB962C8B-B14F-4D97-AF65-F5344CB8AC3E}">
+        <p14:creationId xmlns:p14="http://schemas.microsoft.com/office/powerpoint/2010/main" val="3401659558"/>
       </p:ext>
     </p:extLst>
   </p:cSld>
